--- a/presentation/Machine_Learning.pptx
+++ b/presentation/Machine_Learning.pptx
@@ -284,7 +284,7 @@
           <a:p>
             <a:fld id="{3B653B65-7BB5-4D60-9879-5AFC8E04B446}" type="datetimeFigureOut">
               <a:rPr lang="ko-KR" altLang="en-US" smtClean="0"/>
-              <a:t>2022-01-06</a:t>
+              <a:t>2022-01-11</a:t>
             </a:fld>
             <a:endParaRPr lang="ko-KR" altLang="en-US"/>
           </a:p>
@@ -710,6 +710,90 @@
     <p:extLst>
       <p:ext uri="{BB962C8B-B14F-4D97-AF65-F5344CB8AC3E}">
         <p14:creationId xmlns:p14="http://schemas.microsoft.com/office/powerpoint/2010/main" val="3857370815"/>
+      </p:ext>
+    </p:extLst>
+  </p:cSld>
+  <p:clrMapOvr>
+    <a:masterClrMapping/>
+  </p:clrMapOvr>
+</p:notes>
+</file>
+
+<file path=ppt/notesSlides/notesSlide3.xml><?xml version="1.0" encoding="utf-8"?>
+<p:notes xmlns:a="http://schemas.openxmlformats.org/drawingml/2006/main" xmlns:r="http://schemas.openxmlformats.org/officeDocument/2006/relationships" xmlns:p="http://schemas.openxmlformats.org/presentationml/2006/main">
+  <p:cSld>
+    <p:spTree>
+      <p:nvGrpSpPr>
+        <p:cNvPr id="1" name=""/>
+        <p:cNvGrpSpPr/>
+        <p:nvPr/>
+      </p:nvGrpSpPr>
+      <p:grpSpPr>
+        <a:xfrm>
+          <a:off x="0" y="0"/>
+          <a:ext cx="0" cy="0"/>
+          <a:chOff x="0" y="0"/>
+          <a:chExt cx="0" cy="0"/>
+        </a:xfrm>
+      </p:grpSpPr>
+      <p:sp>
+        <p:nvSpPr>
+          <p:cNvPr id="2" name="슬라이드 이미지 개체 틀 1"/>
+          <p:cNvSpPr>
+            <a:spLocks noGrp="1" noRot="1" noChangeAspect="1"/>
+          </p:cNvSpPr>
+          <p:nvPr>
+            <p:ph type="sldImg"/>
+          </p:nvPr>
+        </p:nvSpPr>
+        <p:spPr/>
+      </p:sp>
+      <p:sp>
+        <p:nvSpPr>
+          <p:cNvPr id="3" name="슬라이드 노트 개체 틀 2"/>
+          <p:cNvSpPr>
+            <a:spLocks noGrp="1"/>
+          </p:cNvSpPr>
+          <p:nvPr>
+            <p:ph type="body" idx="1"/>
+          </p:nvPr>
+        </p:nvSpPr>
+        <p:spPr/>
+        <p:txBody>
+          <a:bodyPr/>
+          <a:lstStyle/>
+          <a:p>
+            <a:endParaRPr lang="ko-KR" altLang="en-US" dirty="0"/>
+          </a:p>
+        </p:txBody>
+      </p:sp>
+      <p:sp>
+        <p:nvSpPr>
+          <p:cNvPr id="4" name="슬라이드 번호 개체 틀 3"/>
+          <p:cNvSpPr>
+            <a:spLocks noGrp="1"/>
+          </p:cNvSpPr>
+          <p:nvPr>
+            <p:ph type="sldNum" sz="quarter" idx="5"/>
+          </p:nvPr>
+        </p:nvSpPr>
+        <p:spPr/>
+        <p:txBody>
+          <a:bodyPr/>
+          <a:lstStyle/>
+          <a:p>
+            <a:fld id="{2CB6E87F-228F-44B2-B4EE-9BD47B249A9D}" type="slidenum">
+              <a:rPr lang="ko-KR" altLang="en-US" smtClean="0"/>
+              <a:t>11</a:t>
+            </a:fld>
+            <a:endParaRPr lang="ko-KR" altLang="en-US"/>
+          </a:p>
+        </p:txBody>
+      </p:sp>
+    </p:spTree>
+    <p:extLst>
+      <p:ext uri="{BB962C8B-B14F-4D97-AF65-F5344CB8AC3E}">
+        <p14:creationId xmlns:p14="http://schemas.microsoft.com/office/powerpoint/2010/main" val="3264726520"/>
       </p:ext>
     </p:extLst>
   </p:cSld>
@@ -1644,7 +1728,7 @@
                 <a:latin typeface="+mn-ea"/>
                 <a:cs typeface="lato"/>
               </a:rPr>
-              <a:t>TensorFlow Lite</a:t>
+              <a:t>Machine Learning</a:t>
             </a:r>
           </a:p>
         </p:txBody>
@@ -2331,7 +2415,7 @@
           <p:nvPr/>
         </p:nvPicPr>
         <p:blipFill>
-          <a:blip r:embed="rId2"/>
+          <a:blip r:embed="rId3"/>
           <a:stretch>
             <a:fillRect/>
           </a:stretch>
@@ -2503,115 +2587,7 @@
             </a:r>
           </a:p>
           <a:p>
-            <a:r>
-              <a:rPr lang="ko-KR" altLang="en-US" dirty="0"/>
-              <a:t>데이터</a:t>
-            </a:r>
-            <a:r>
-              <a:rPr lang="en-US" altLang="ko-KR" dirty="0"/>
-              <a:t>, </a:t>
-            </a:r>
-            <a:r>
-              <a:rPr lang="ko-KR" altLang="en-US" dirty="0"/>
-              <a:t>패턴인식</a:t>
-            </a:r>
-            <a:r>
-              <a:rPr lang="en-US" altLang="ko-KR" dirty="0"/>
-              <a:t>, </a:t>
-            </a:r>
-            <a:r>
-              <a:rPr lang="ko-KR" altLang="en-US" dirty="0"/>
-              <a:t>컴퓨터를 이용한 계산 </a:t>
-            </a:r>
-            <a:r>
-              <a:rPr lang="en-US" altLang="ko-KR" dirty="0"/>
-              <a:t>3</a:t>
-            </a:r>
-            <a:r>
-              <a:rPr lang="ko-KR" altLang="en-US" dirty="0"/>
-              <a:t>가지 요소로 볼 수 있다</a:t>
-            </a:r>
-            <a:r>
-              <a:rPr lang="en-US" altLang="ko-KR" dirty="0"/>
-              <a:t>. </a:t>
-            </a:r>
-          </a:p>
-          <a:p>
-            <a:pPr lvl="1"/>
-            <a:r>
-              <a:rPr lang="ko-KR" altLang="en-US" dirty="0"/>
-              <a:t>데이터</a:t>
-            </a:r>
-            <a:r>
-              <a:rPr lang="en-US" altLang="ko-KR" dirty="0"/>
-              <a:t>: </a:t>
-            </a:r>
-            <a:r>
-              <a:rPr lang="ko-KR" altLang="en-US" dirty="0" err="1"/>
-              <a:t>머신러닝은</a:t>
-            </a:r>
-            <a:r>
-              <a:rPr lang="ko-KR" altLang="en-US" dirty="0"/>
-              <a:t> 항상 데이터를 기반으로 한다</a:t>
-            </a:r>
-            <a:r>
-              <a:rPr lang="en-US" altLang="ko-KR" dirty="0"/>
-              <a:t>.</a:t>
-            </a:r>
-          </a:p>
-          <a:p>
-            <a:pPr lvl="1"/>
-            <a:r>
-              <a:rPr lang="ko-KR" altLang="en-US" dirty="0"/>
-              <a:t>패턴 인식</a:t>
-            </a:r>
-            <a:r>
-              <a:rPr lang="en-US" altLang="ko-KR" dirty="0"/>
-              <a:t>: </a:t>
-            </a:r>
-            <a:r>
-              <a:rPr lang="ko-KR" altLang="en-US" dirty="0"/>
-              <a:t>데이터를 보고 패턴을 인식하는 것이 </a:t>
-            </a:r>
-            <a:r>
-              <a:rPr lang="ko-KR" altLang="en-US" dirty="0" err="1"/>
-              <a:t>머신러닝의</a:t>
-            </a:r>
-            <a:r>
-              <a:rPr lang="ko-KR" altLang="en-US" dirty="0"/>
-              <a:t> 목적이다</a:t>
-            </a:r>
-            <a:r>
-              <a:rPr lang="en-US" altLang="ko-KR" dirty="0"/>
-              <a:t>.</a:t>
-            </a:r>
-          </a:p>
-          <a:p>
-            <a:pPr lvl="1"/>
-            <a:r>
-              <a:rPr lang="ko-KR" altLang="en-US" dirty="0"/>
-              <a:t>컴퓨터를 이용한 계산</a:t>
-            </a:r>
-            <a:r>
-              <a:rPr lang="en-US" altLang="ko-KR" dirty="0"/>
-              <a:t>: </a:t>
-            </a:r>
-            <a:r>
-              <a:rPr lang="ko-KR" altLang="en-US" dirty="0"/>
-              <a:t>데이터를 처리하고 패턴을 학습하는 데 사용한다</a:t>
-            </a:r>
-            <a:r>
-              <a:rPr lang="en-US" altLang="ko-KR" dirty="0"/>
-              <a:t>. </a:t>
-            </a:r>
-            <a:r>
-              <a:rPr lang="ko-KR" altLang="en-US" dirty="0"/>
-              <a:t>연산 속도를 위한 많은 연구가 진행되었다</a:t>
-            </a:r>
-            <a:r>
-              <a:rPr lang="en-US" altLang="ko-KR" dirty="0"/>
-              <a:t>.</a:t>
-            </a:r>
+            <a:endParaRPr lang="en-US" altLang="ko-KR" dirty="0"/>
           </a:p>
           <a:p>
             <a:r>
@@ -2735,12 +2711,16 @@
               <a:t>머신러닝</a:t>
             </a:r>
             <a:r>
+              <a:rPr lang="ko-KR" altLang="en-US" dirty="0"/>
+              <a:t> </a:t>
+            </a:r>
+            <a:r>
               <a:rPr lang="en-US" altLang="ko-KR" dirty="0"/>
-              <a:t>:</a:t>
+              <a:t>-</a:t>
             </a:r>
             <a:r>
               <a:rPr lang="ko-KR" altLang="en-US" dirty="0"/>
-              <a:t> 모델</a:t>
+              <a:t>모델</a:t>
             </a:r>
           </a:p>
         </p:txBody>
@@ -3330,7 +3310,7 @@
         </p:nvSpPr>
         <p:spPr>
           <a:xfrm>
-            <a:off x="9420129" y="5348895"/>
+            <a:off x="8488031" y="5500025"/>
             <a:ext cx="2543271" cy="430887"/>
           </a:xfrm>
           <a:prstGeom prst="rect">
@@ -3404,7 +3384,7 @@
           <a:p>
             <a:r>
               <a:rPr lang="ko-KR" altLang="en-US" dirty="0"/>
-              <a:t>모델 정규화</a:t>
+              <a:t>정규화</a:t>
             </a:r>
           </a:p>
         </p:txBody>
@@ -3692,8 +3672,12 @@
               <a:t>머신러닝</a:t>
             </a:r>
             <a:r>
+              <a:rPr lang="ko-KR" altLang="en-US" dirty="0"/>
+              <a:t> </a:t>
+            </a:r>
+            <a:r>
               <a:rPr lang="en-US" altLang="ko-KR" dirty="0"/>
-              <a:t>:</a:t>
+              <a:t>-</a:t>
             </a:r>
             <a:r>
               <a:rPr lang="ko-KR" altLang="en-US" dirty="0"/>
@@ -3840,8 +3824,12 @@
               <a:t>머신러닝</a:t>
             </a:r>
             <a:r>
+              <a:rPr lang="ko-KR" altLang="en-US" dirty="0"/>
+              <a:t> </a:t>
+            </a:r>
+            <a:r>
               <a:rPr lang="en-US" altLang="ko-KR" dirty="0"/>
-              <a:t>: </a:t>
+              <a:t>- </a:t>
             </a:r>
             <a:r>
               <a:rPr lang="ko-KR" altLang="en-US" dirty="0"/>
@@ -4068,8 +4056,12 @@
               <a:t>머신러닝</a:t>
             </a:r>
             <a:r>
+              <a:rPr lang="ko-KR" altLang="en-US" dirty="0"/>
+              <a:t> </a:t>
+            </a:r>
+            <a:r>
               <a:rPr lang="en-US" altLang="ko-KR" dirty="0"/>
-              <a:t>: </a:t>
+              <a:t>- </a:t>
             </a:r>
             <a:r>
               <a:rPr lang="ko-KR" altLang="en-US" dirty="0"/>
@@ -4307,8 +4299,8 @@
           </a:p>
         </p:txBody>
       </p:sp>
-      <mc:AlternateContent xmlns:mc="http://schemas.openxmlformats.org/markup-compatibility/2006">
-        <mc:Choice xmlns:a14="http://schemas.microsoft.com/office/drawing/2010/main" Requires="a14">
+      <mc:AlternateContent xmlns:mc="http://schemas.openxmlformats.org/markup-compatibility/2006" xmlns:a14="http://schemas.microsoft.com/office/drawing/2010/main">
+        <mc:Choice Requires="a14">
           <p:sp>
             <p:nvSpPr>
               <p:cNvPr id="3" name="내용 개체 틀 2">
@@ -4798,7 +4790,7 @@
             </p:txBody>
           </p:sp>
         </mc:Choice>
-        <mc:Fallback>
+        <mc:Fallback xmlns="">
           <p:sp>
             <p:nvSpPr>
               <p:cNvPr id="3" name="내용 개체 틀 2">
